--- a/docs/resources/Authentication Tutorial.pptx
+++ b/docs/resources/Authentication Tutorial.pptx
@@ -5,7 +5,7 @@
     <p:sldMasterId id="2147483648" r:id="rId1"/>
   </p:sldMasterIdLst>
   <p:notesMasterIdLst>
-    <p:notesMasterId r:id="rId32"/>
+    <p:notesMasterId r:id="rId31"/>
   </p:notesMasterIdLst>
   <p:sldIdLst>
     <p:sldId id="256" r:id="rId2"/>
@@ -37,7 +37,6 @@
     <p:sldId id="284" r:id="rId28"/>
     <p:sldId id="285" r:id="rId29"/>
     <p:sldId id="286" r:id="rId30"/>
-    <p:sldId id="287" r:id="rId31"/>
   </p:sldIdLst>
   <p:sldSz cx="12192000" cy="6858000"/>
   <p:notesSz cx="6858000" cy="9144000"/>
@@ -237,7 +236,7 @@
           <a:p>
             <a:fld id="{F1BC00D6-B452-E34D-9410-86C55CD31D3F}" type="datetimeFigureOut">
               <a:rPr lang="en-US" smtClean="0"/>
-              <a:t>2/16/17</a:t>
+              <a:t>2/17/17</a:t>
             </a:fld>
             <a:endParaRPr lang="en-US"/>
           </a:p>
@@ -812,7 +811,7 @@
           <a:p>
             <a:fld id="{88066DB2-B83B-3341-9396-5658545182FD}" type="datetimeFigureOut">
               <a:rPr lang="en-US" smtClean="0"/>
-              <a:t>2/16/17</a:t>
+              <a:t>2/17/17</a:t>
             </a:fld>
             <a:endParaRPr lang="en-US"/>
           </a:p>
@@ -982,7 +981,7 @@
           <a:p>
             <a:fld id="{88066DB2-B83B-3341-9396-5658545182FD}" type="datetimeFigureOut">
               <a:rPr lang="en-US" smtClean="0"/>
-              <a:t>2/16/17</a:t>
+              <a:t>2/17/17</a:t>
             </a:fld>
             <a:endParaRPr lang="en-US"/>
           </a:p>
@@ -1162,7 +1161,7 @@
           <a:p>
             <a:fld id="{88066DB2-B83B-3341-9396-5658545182FD}" type="datetimeFigureOut">
               <a:rPr lang="en-US" smtClean="0"/>
-              <a:t>2/16/17</a:t>
+              <a:t>2/17/17</a:t>
             </a:fld>
             <a:endParaRPr lang="en-US"/>
           </a:p>
@@ -1332,7 +1331,7 @@
           <a:p>
             <a:fld id="{88066DB2-B83B-3341-9396-5658545182FD}" type="datetimeFigureOut">
               <a:rPr lang="en-US" smtClean="0"/>
-              <a:t>2/16/17</a:t>
+              <a:t>2/17/17</a:t>
             </a:fld>
             <a:endParaRPr lang="en-US"/>
           </a:p>
@@ -1578,7 +1577,7 @@
           <a:p>
             <a:fld id="{88066DB2-B83B-3341-9396-5658545182FD}" type="datetimeFigureOut">
               <a:rPr lang="en-US" smtClean="0"/>
-              <a:t>2/16/17</a:t>
+              <a:t>2/17/17</a:t>
             </a:fld>
             <a:endParaRPr lang="en-US"/>
           </a:p>
@@ -1810,7 +1809,7 @@
           <a:p>
             <a:fld id="{88066DB2-B83B-3341-9396-5658545182FD}" type="datetimeFigureOut">
               <a:rPr lang="en-US" smtClean="0"/>
-              <a:t>2/16/17</a:t>
+              <a:t>2/17/17</a:t>
             </a:fld>
             <a:endParaRPr lang="en-US"/>
           </a:p>
@@ -2177,7 +2176,7 @@
           <a:p>
             <a:fld id="{88066DB2-B83B-3341-9396-5658545182FD}" type="datetimeFigureOut">
               <a:rPr lang="en-US" smtClean="0"/>
-              <a:t>2/16/17</a:t>
+              <a:t>2/17/17</a:t>
             </a:fld>
             <a:endParaRPr lang="en-US"/>
           </a:p>
@@ -2295,7 +2294,7 @@
           <a:p>
             <a:fld id="{88066DB2-B83B-3341-9396-5658545182FD}" type="datetimeFigureOut">
               <a:rPr lang="en-US" smtClean="0"/>
-              <a:t>2/16/17</a:t>
+              <a:t>2/17/17</a:t>
             </a:fld>
             <a:endParaRPr lang="en-US"/>
           </a:p>
@@ -2390,7 +2389,7 @@
           <a:p>
             <a:fld id="{88066DB2-B83B-3341-9396-5658545182FD}" type="datetimeFigureOut">
               <a:rPr lang="en-US" smtClean="0"/>
-              <a:t>2/16/17</a:t>
+              <a:t>2/17/17</a:t>
             </a:fld>
             <a:endParaRPr lang="en-US"/>
           </a:p>
@@ -2667,7 +2666,7 @@
           <a:p>
             <a:fld id="{88066DB2-B83B-3341-9396-5658545182FD}" type="datetimeFigureOut">
               <a:rPr lang="en-US" smtClean="0"/>
-              <a:t>2/16/17</a:t>
+              <a:t>2/17/17</a:t>
             </a:fld>
             <a:endParaRPr lang="en-US"/>
           </a:p>
@@ -2920,7 +2919,7 @@
           <a:p>
             <a:fld id="{88066DB2-B83B-3341-9396-5658545182FD}" type="datetimeFigureOut">
               <a:rPr lang="en-US" smtClean="0"/>
-              <a:t>2/16/17</a:t>
+              <a:t>2/17/17</a:t>
             </a:fld>
             <a:endParaRPr lang="en-US"/>
           </a:p>
@@ -3133,7 +3132,7 @@
           <a:p>
             <a:fld id="{88066DB2-B83B-3341-9396-5658545182FD}" type="datetimeFigureOut">
               <a:rPr lang="en-US" smtClean="0"/>
-              <a:t>2/16/17</a:t>
+              <a:t>2/17/17</a:t>
             </a:fld>
             <a:endParaRPr lang="en-US"/>
           </a:p>
@@ -12777,124 +12776,113 @@
       </p:sp>
       <p:sp>
         <p:nvSpPr>
-          <p:cNvPr id="3" name="Content Placeholder 2"/>
-          <p:cNvSpPr>
-            <a:spLocks noGrp="1"/>
-          </p:cNvSpPr>
-          <p:nvPr>
-            <p:ph idx="1"/>
-          </p:nvPr>
+          <p:cNvPr id="5" name="Rectangle 4"/>
+          <p:cNvSpPr/>
+          <p:nvPr/>
         </p:nvSpPr>
-        <p:spPr/>
+        <p:spPr>
+          <a:xfrm rot="20958823">
+            <a:off x="219010" y="1004666"/>
+            <a:ext cx="10959772" cy="1323439"/>
+          </a:xfrm>
+          <a:prstGeom prst="rect">
+            <a:avLst/>
+          </a:prstGeom>
+          <a:noFill/>
+        </p:spPr>
         <p:txBody>
-          <a:bodyPr/>
+          <a:bodyPr wrap="square" lIns="91440" tIns="45720" rIns="91440" bIns="45720">
+            <a:spAutoFit/>
+          </a:bodyPr>
           <a:lstStyle/>
           <a:p>
-            <a:pPr marL="0" indent="0">
-              <a:buNone/>
-            </a:pPr>
-            <a:r>
-              <a:rPr lang="en-US" dirty="0"/>
-              <a:t>Submission on OWL Due Friday </a:t>
-            </a:r>
-            <a:r>
-              <a:rPr lang="en-US" dirty="0" smtClean="0"/>
-              <a:t>March 10</a:t>
-            </a:r>
-            <a:r>
-              <a:rPr lang="en-US" baseline="30000" dirty="0" smtClean="0"/>
-              <a:t>th</a:t>
-            </a:r>
-            <a:r>
-              <a:rPr lang="en-US" dirty="0" smtClean="0"/>
-              <a:t> </a:t>
-            </a:r>
-            <a:r>
-              <a:rPr lang="en-US" dirty="0"/>
-              <a:t>at </a:t>
-            </a:r>
-            <a:r>
-              <a:rPr lang="en-US" dirty="0" smtClean="0"/>
-              <a:t>11:55pm</a:t>
-            </a:r>
-          </a:p>
-          <a:p>
-            <a:r>
-              <a:rPr lang="en-US" dirty="0"/>
-              <a:t>Go to </a:t>
-            </a:r>
-            <a:r>
-              <a:rPr lang="en-US" dirty="0">
-                <a:hlinkClick r:id="rId3"/>
-              </a:rPr>
-              <a:t>https://haveibeenpwned.com</a:t>
-            </a:r>
-            <a:r>
-              <a:rPr lang="en-US" dirty="0" smtClean="0">
-                <a:hlinkClick r:id="rId3"/>
-              </a:rPr>
-              <a:t>/</a:t>
-            </a:r>
-            <a:endParaRPr lang="en-US" dirty="0" smtClean="0"/>
-          </a:p>
-          <a:p>
-            <a:r>
-              <a:rPr lang="en-US" dirty="0" smtClean="0"/>
-              <a:t>Enter some of your accounts.</a:t>
-            </a:r>
-          </a:p>
-          <a:p>
-            <a:r>
-              <a:rPr lang="en-US" dirty="0" smtClean="0"/>
-              <a:t>Have you been </a:t>
-            </a:r>
-            <a:r>
-              <a:rPr lang="en-US" dirty="0" err="1" smtClean="0"/>
-              <a:t>pwned</a:t>
-            </a:r>
-            <a:r>
-              <a:rPr lang="en-US" dirty="0" smtClean="0"/>
-              <a:t>?</a:t>
-            </a:r>
-          </a:p>
-          <a:p>
-            <a:r>
-              <a:rPr lang="en-US" dirty="0" smtClean="0"/>
-              <a:t>Submit the list of breaches you were </a:t>
-            </a:r>
-            <a:r>
-              <a:rPr lang="en-US" dirty="0" err="1" smtClean="0"/>
-              <a:t>pwned</a:t>
-            </a:r>
-            <a:r>
-              <a:rPr lang="en-US" dirty="0" smtClean="0"/>
-              <a:t> in.</a:t>
-            </a:r>
-          </a:p>
-          <a:p>
-            <a:r>
-              <a:rPr lang="en-US" dirty="0" smtClean="0"/>
-              <a:t>Get 2.5% of your grade </a:t>
-            </a:r>
-            <a:r>
-              <a:rPr lang="mr-IN" dirty="0" smtClean="0"/>
-              <a:t>–</a:t>
-            </a:r>
-            <a:r>
-              <a:rPr lang="en-US" dirty="0" smtClean="0"/>
-              <a:t> that easy.</a:t>
-            </a:r>
-            <a:endParaRPr lang="en-US" dirty="0"/>
-          </a:p>
-          <a:p>
-            <a:pPr marL="457200" indent="-457200">
-              <a:buFont typeface="Arial" charset="0"/>
-              <a:buChar char="•"/>
-            </a:pPr>
-            <a:endParaRPr lang="en-US" dirty="0"/>
+            <a:pPr algn="ctr"/>
+            <a:r>
+              <a:rPr lang="en-US" sz="8000" b="1" cap="none" spc="0" dirty="0" smtClean="0">
+                <a:ln w="12700">
+                  <a:solidFill>
+                    <a:schemeClr val="tx2">
+                      <a:lumMod val="75000"/>
+                    </a:schemeClr>
+                  </a:solidFill>
+                  <a:prstDash val="solid"/>
+                </a:ln>
+                <a:pattFill prst="dkUpDiag">
+                  <a:fgClr>
+                    <a:schemeClr val="tx2"/>
+                  </a:fgClr>
+                  <a:bgClr>
+                    <a:schemeClr val="tx2">
+                      <a:lumMod val="20000"/>
+                      <a:lumOff val="80000"/>
+                    </a:schemeClr>
+                  </a:bgClr>
+                </a:pattFill>
+                <a:effectLst>
+                  <a:outerShdw dist="38100" dir="2640000" algn="bl" rotWithShape="0">
+                    <a:schemeClr val="tx2">
+                      <a:lumMod val="75000"/>
+                    </a:schemeClr>
+                  </a:outerShdw>
+                </a:effectLst>
+              </a:rPr>
+              <a:t>Enjoy Reading Week!</a:t>
+            </a:r>
+            <a:endParaRPr lang="en-US" sz="8000" b="1" cap="none" spc="0" dirty="0">
+              <a:ln w="12700">
+                <a:solidFill>
+                  <a:schemeClr val="tx2">
+                    <a:lumMod val="75000"/>
+                  </a:schemeClr>
+                </a:solidFill>
+                <a:prstDash val="solid"/>
+              </a:ln>
+              <a:pattFill prst="dkUpDiag">
+                <a:fgClr>
+                  <a:schemeClr val="tx2"/>
+                </a:fgClr>
+                <a:bgClr>
+                  <a:schemeClr val="tx2">
+                    <a:lumMod val="20000"/>
+                    <a:lumOff val="80000"/>
+                  </a:schemeClr>
+                </a:bgClr>
+              </a:pattFill>
+              <a:effectLst>
+                <a:outerShdw dist="38100" dir="2640000" algn="bl" rotWithShape="0">
+                  <a:schemeClr val="tx2">
+                    <a:lumMod val="75000"/>
+                  </a:schemeClr>
+                </a:outerShdw>
+              </a:effectLst>
+            </a:endParaRPr>
           </a:p>
         </p:txBody>
       </p:sp>
+      <p:pic>
+        <p:nvPicPr>
+          <p:cNvPr id="6" name="Picture 5"/>
+          <p:cNvPicPr>
+            <a:picLocks noChangeAspect="1"/>
+          </p:cNvPicPr>
+          <p:nvPr/>
+        </p:nvPicPr>
+        <p:blipFill>
+          <a:blip r:embed="rId3"/>
+          <a:stretch>
+            <a:fillRect/>
+          </a:stretch>
+        </p:blipFill>
+        <p:spPr>
+          <a:xfrm>
+            <a:off x="4727848" y="2564904"/>
+            <a:ext cx="6250074" cy="3512542"/>
+          </a:xfrm>
+          <a:prstGeom prst="rect">
+            <a:avLst/>
+          </a:prstGeom>
+        </p:spPr>
+      </p:pic>
     </p:spTree>
     <p:extLst>
       <p:ext uri="{BB962C8B-B14F-4D97-AF65-F5344CB8AC3E}">
@@ -12908,9 +12896,107 @@
   <p:timing>
     <p:tnLst>
       <p:par>
-        <p:cTn id="1" dur="indefinite" restart="never" nodeType="tmRoot"/>
+        <p:cTn id="1" dur="indefinite" restart="never" nodeType="tmRoot">
+          <p:childTnLst>
+            <p:seq concurrent="1" nextAc="seek">
+              <p:cTn id="2" dur="indefinite" nodeType="mainSeq">
+                <p:childTnLst>
+                  <p:par>
+                    <p:cTn id="3" fill="hold">
+                      <p:stCondLst>
+                        <p:cond delay="indefinite"/>
+                      </p:stCondLst>
+                      <p:childTnLst>
+                        <p:par>
+                          <p:cTn id="4" fill="hold">
+                            <p:stCondLst>
+                              <p:cond delay="0"/>
+                            </p:stCondLst>
+                            <p:childTnLst>
+                              <p:par>
+                                <p:cTn id="5" presetID="1" presetClass="entr" presetSubtype="0" fill="hold" grpId="0" nodeType="clickEffect">
+                                  <p:stCondLst>
+                                    <p:cond delay="0"/>
+                                  </p:stCondLst>
+                                  <p:childTnLst>
+                                    <p:set>
+                                      <p:cBhvr>
+                                        <p:cTn id="6" dur="1" fill="hold">
+                                          <p:stCondLst>
+                                            <p:cond delay="0"/>
+                                          </p:stCondLst>
+                                        </p:cTn>
+                                        <p:tgtEl>
+                                          <p:spTgt spid="5"/>
+                                        </p:tgtEl>
+                                        <p:attrNameLst>
+                                          <p:attrName>style.visibility</p:attrName>
+                                        </p:attrNameLst>
+                                      </p:cBhvr>
+                                      <p:to>
+                                        <p:strVal val="visible"/>
+                                      </p:to>
+                                    </p:set>
+                                  </p:childTnLst>
+                                </p:cTn>
+                              </p:par>
+                              <p:par>
+                                <p:cTn id="7" presetID="1" presetClass="entr" presetSubtype="0" fill="hold" nodeType="withEffect">
+                                  <p:stCondLst>
+                                    <p:cond delay="0"/>
+                                  </p:stCondLst>
+                                  <p:childTnLst>
+                                    <p:set>
+                                      <p:cBhvr>
+                                        <p:cTn id="8" dur="1" fill="hold">
+                                          <p:stCondLst>
+                                            <p:cond delay="0"/>
+                                          </p:stCondLst>
+                                        </p:cTn>
+                                        <p:tgtEl>
+                                          <p:spTgt spid="6"/>
+                                        </p:tgtEl>
+                                        <p:attrNameLst>
+                                          <p:attrName>style.visibility</p:attrName>
+                                        </p:attrNameLst>
+                                      </p:cBhvr>
+                                      <p:to>
+                                        <p:strVal val="visible"/>
+                                      </p:to>
+                                    </p:set>
+                                  </p:childTnLst>
+                                </p:cTn>
+                              </p:par>
+                            </p:childTnLst>
+                          </p:cTn>
+                        </p:par>
+                      </p:childTnLst>
+                    </p:cTn>
+                  </p:par>
+                </p:childTnLst>
+              </p:cTn>
+              <p:prevCondLst>
+                <p:cond evt="onPrev" delay="0">
+                  <p:tgtEl>
+                    <p:sldTgt/>
+                  </p:tgtEl>
+                </p:cond>
+              </p:prevCondLst>
+              <p:nextCondLst>
+                <p:cond evt="onNext" delay="0">
+                  <p:tgtEl>
+                    <p:sldTgt/>
+                  </p:tgtEl>
+                </p:cond>
+              </p:nextCondLst>
+            </p:seq>
+          </p:childTnLst>
+        </p:cTn>
       </p:par>
     </p:tnLst>
+    <p:bldLst>
+      <p:bldP spid="5" grpId="0"/>
+    </p:bldLst>
   </p:timing>
 </p:sld>
 </file>
@@ -14615,152 +14701,6 @@
 </p:sld>
 </file>
 
-<file path=ppt/slides/slide30.xml><?xml version="1.0" encoding="utf-8"?>
-<p:sld xmlns:a="http://schemas.openxmlformats.org/drawingml/2006/main" xmlns:r="http://schemas.openxmlformats.org/officeDocument/2006/relationships" xmlns:p="http://schemas.openxmlformats.org/presentationml/2006/main">
-  <p:cSld>
-    <p:spTree>
-      <p:nvGrpSpPr>
-        <p:cNvPr id="1" name=""/>
-        <p:cNvGrpSpPr/>
-        <p:nvPr/>
-      </p:nvGrpSpPr>
-      <p:grpSpPr>
-        <a:xfrm>
-          <a:off x="0" y="0"/>
-          <a:ext cx="0" cy="0"/>
-          <a:chOff x="0" y="0"/>
-          <a:chExt cx="0" cy="0"/>
-        </a:xfrm>
-      </p:grpSpPr>
-      <p:sp>
-        <p:nvSpPr>
-          <p:cNvPr id="4" name="Rectangle 3"/>
-          <p:cNvSpPr/>
-          <p:nvPr/>
-        </p:nvSpPr>
-        <p:spPr>
-          <a:xfrm rot="20958823">
-            <a:off x="219010" y="1004666"/>
-            <a:ext cx="10959772" cy="1323439"/>
-          </a:xfrm>
-          <a:prstGeom prst="rect">
-            <a:avLst/>
-          </a:prstGeom>
-          <a:noFill/>
-        </p:spPr>
-        <p:txBody>
-          <a:bodyPr wrap="square" lIns="91440" tIns="45720" rIns="91440" bIns="45720">
-            <a:spAutoFit/>
-          </a:bodyPr>
-          <a:lstStyle/>
-          <a:p>
-            <a:pPr algn="ctr"/>
-            <a:r>
-              <a:rPr lang="en-US" sz="8000" b="1" cap="none" spc="0" dirty="0" smtClean="0">
-                <a:ln w="12700">
-                  <a:solidFill>
-                    <a:schemeClr val="tx2">
-                      <a:lumMod val="75000"/>
-                    </a:schemeClr>
-                  </a:solidFill>
-                  <a:prstDash val="solid"/>
-                </a:ln>
-                <a:pattFill prst="dkUpDiag">
-                  <a:fgClr>
-                    <a:schemeClr val="tx2"/>
-                  </a:fgClr>
-                  <a:bgClr>
-                    <a:schemeClr val="tx2">
-                      <a:lumMod val="20000"/>
-                      <a:lumOff val="80000"/>
-                    </a:schemeClr>
-                  </a:bgClr>
-                </a:pattFill>
-                <a:effectLst>
-                  <a:outerShdw dist="38100" dir="2640000" algn="bl" rotWithShape="0">
-                    <a:schemeClr val="tx2">
-                      <a:lumMod val="75000"/>
-                    </a:schemeClr>
-                  </a:outerShdw>
-                </a:effectLst>
-              </a:rPr>
-              <a:t>Enjoy Reading Week!</a:t>
-            </a:r>
-            <a:endParaRPr lang="en-US" sz="8000" b="1" cap="none" spc="0" dirty="0">
-              <a:ln w="12700">
-                <a:solidFill>
-                  <a:schemeClr val="tx2">
-                    <a:lumMod val="75000"/>
-                  </a:schemeClr>
-                </a:solidFill>
-                <a:prstDash val="solid"/>
-              </a:ln>
-              <a:pattFill prst="dkUpDiag">
-                <a:fgClr>
-                  <a:schemeClr val="tx2"/>
-                </a:fgClr>
-                <a:bgClr>
-                  <a:schemeClr val="tx2">
-                    <a:lumMod val="20000"/>
-                    <a:lumOff val="80000"/>
-                  </a:schemeClr>
-                </a:bgClr>
-              </a:pattFill>
-              <a:effectLst>
-                <a:outerShdw dist="38100" dir="2640000" algn="bl" rotWithShape="0">
-                  <a:schemeClr val="tx2">
-                    <a:lumMod val="75000"/>
-                  </a:schemeClr>
-                </a:outerShdw>
-              </a:effectLst>
-            </a:endParaRPr>
-          </a:p>
-        </p:txBody>
-      </p:sp>
-      <p:pic>
-        <p:nvPicPr>
-          <p:cNvPr id="5" name="Picture 4"/>
-          <p:cNvPicPr>
-            <a:picLocks noChangeAspect="1"/>
-          </p:cNvPicPr>
-          <p:nvPr/>
-        </p:nvPicPr>
-        <p:blipFill>
-          <a:blip r:embed="rId2"/>
-          <a:stretch>
-            <a:fillRect/>
-          </a:stretch>
-        </p:blipFill>
-        <p:spPr>
-          <a:xfrm>
-            <a:off x="4727848" y="2564904"/>
-            <a:ext cx="6250074" cy="3512542"/>
-          </a:xfrm>
-          <a:prstGeom prst="rect">
-            <a:avLst/>
-          </a:prstGeom>
-        </p:spPr>
-      </p:pic>
-    </p:spTree>
-    <p:extLst>
-      <p:ext uri="{BB962C8B-B14F-4D97-AF65-F5344CB8AC3E}">
-        <p14:creationId xmlns:p14="http://schemas.microsoft.com/office/powerpoint/2010/main" val="552910509"/>
-      </p:ext>
-    </p:extLst>
-  </p:cSld>
-  <p:clrMapOvr>
-    <a:masterClrMapping/>
-  </p:clrMapOvr>
-  <p:timing>
-    <p:tnLst>
-      <p:par>
-        <p:cTn id="1" dur="indefinite" restart="never" nodeType="tmRoot"/>
-      </p:par>
-    </p:tnLst>
-  </p:timing>
-</p:sld>
-</file>
-
 <file path=ppt/slides/slide4.xml><?xml version="1.0" encoding="utf-8"?>
 <p:sld xmlns:a="http://schemas.openxmlformats.org/drawingml/2006/main" xmlns:r="http://schemas.openxmlformats.org/officeDocument/2006/relationships" xmlns:p="http://schemas.openxmlformats.org/presentationml/2006/main">
   <p:cSld>
@@ -15941,11 +15881,7 @@
             </a:r>
             <a:r>
               <a:rPr lang="en-US" b="1" dirty="0"/>
-              <a:t>s2-quickstart </a:t>
-            </a:r>
-            <a:r>
-              <a:rPr lang="en-US" b="1" dirty="0"/>
-              <a:t>grails3.exampleUser </a:t>
+              <a:t>s2-quickstart grails3.exampleUser </a:t>
             </a:r>
             <a:r>
               <a:rPr lang="en-US" b="1" dirty="0" smtClean="0"/>

--- a/docs/resources/Authentication Tutorial.pptx
+++ b/docs/resources/Authentication Tutorial.pptx
@@ -15181,7 +15181,11 @@
             </a:pPr>
             <a:r>
               <a:rPr lang="en-US" dirty="0" smtClean="0"/>
-              <a:t>Fully functional example available on GitHub</a:t>
+              <a:t>Fully functional example available on </a:t>
+            </a:r>
+            <a:r>
+              <a:rPr lang="en-US" dirty="0" smtClean="0"/>
+              <a:t>GitHub</a:t>
             </a:r>
           </a:p>
           <a:p>
@@ -15195,18 +15199,18 @@
               <a:buNone/>
             </a:pPr>
             <a:r>
-              <a:rPr lang="en-US" sz="2000" dirty="0">
+              <a:rPr lang="en-US" sz="2200" dirty="0">
                 <a:hlinkClick r:id="rId5"/>
               </a:rPr>
               <a:t>https://</a:t>
             </a:r>
             <a:r>
-              <a:rPr lang="en-US" sz="2000" dirty="0" smtClean="0">
+              <a:rPr lang="en-US" sz="2200" dirty="0" smtClean="0">
                 <a:hlinkClick r:id="rId5"/>
               </a:rPr>
-              <a:t>github.com/ethamajin/grails3-example</a:t>
-            </a:r>
-            <a:endParaRPr lang="en-US" sz="2000" dirty="0" smtClean="0"/>
+              <a:t>github.com/ethamajin/AuthenticationTutorial</a:t>
+            </a:r>
+            <a:endParaRPr lang="en-US" sz="2200" dirty="0" smtClean="0"/>
           </a:p>
           <a:p>
             <a:pPr marL="0" lvl="0" indent="0">
@@ -15218,7 +15222,50 @@
               </a:spcBef>
               <a:buNone/>
             </a:pPr>
-            <a:endParaRPr lang="en-US" dirty="0"/>
+            <a:r>
+              <a:rPr lang="en-US" sz="1700" dirty="0" smtClean="0"/>
+              <a:t>(adapted from </a:t>
+            </a:r>
+            <a:r>
+              <a:rPr lang="en-US" sz="1700" dirty="0">
+                <a:hlinkClick r:id="rId6"/>
+              </a:rPr>
+              <a:t>https://</a:t>
+            </a:r>
+            <a:r>
+              <a:rPr lang="en-US" sz="1700" dirty="0" smtClean="0">
+                <a:hlinkClick r:id="rId6"/>
+              </a:rPr>
+              <a:t>github.com/atapin/grails3-example</a:t>
+            </a:r>
+            <a:r>
+              <a:rPr lang="en-US" sz="1700" dirty="0" smtClean="0"/>
+              <a:t>)</a:t>
+            </a:r>
+          </a:p>
+          <a:p>
+            <a:pPr marL="0" lvl="0" indent="0">
+              <a:lnSpc>
+                <a:spcPct val="100000"/>
+              </a:lnSpc>
+              <a:spcBef>
+                <a:spcPts val="0"/>
+              </a:spcBef>
+              <a:buNone/>
+            </a:pPr>
+            <a:endParaRPr lang="en-US" sz="2200" dirty="0" smtClean="0"/>
+          </a:p>
+          <a:p>
+            <a:pPr marL="0" lvl="0" indent="0">
+              <a:lnSpc>
+                <a:spcPct val="100000"/>
+              </a:lnSpc>
+              <a:spcBef>
+                <a:spcPts val="0"/>
+              </a:spcBef>
+              <a:buNone/>
+            </a:pPr>
+            <a:endParaRPr lang="en-US" dirty="0" smtClean="0"/>
           </a:p>
         </p:txBody>
       </p:sp>
